--- a/20181478소다영_poster.pptx
+++ b/20181478소다영_poster.pptx
@@ -4942,10 +4942,19 @@
                 </a:solidFill>
                 <a:latin typeface="+mn-ea"/>
               </a:rPr>
-              <a:t>의 일사량을 예측하기 위해 슬라이딩 윈도우 방법론을 적용해 모델 평가를 실시했다</a:t>
-            </a:r>
-            <a:r>
-              <a:rPr lang="en-US" altLang="ko-KR" sz="4300" dirty="0">
+              <a:t>의 일사량을 예측하기 위해 슬라이딩 윈도우 방법론을 </a:t>
+            </a:r>
+            <a:r>
+              <a:rPr lang="ko-KR" altLang="en-US" sz="4300" dirty="0" smtClean="0">
+                <a:solidFill>
+                  <a:schemeClr val="tx1"/>
+                </a:solidFill>
+                <a:latin typeface="+mn-ea"/>
+              </a:rPr>
+              <a:t>적용해 모델 학습을 진행했다</a:t>
+            </a:r>
+            <a:r>
+              <a:rPr lang="en-US" altLang="ko-KR" sz="4300" dirty="0" smtClean="0">
                 <a:solidFill>
                   <a:schemeClr val="tx1"/>
                 </a:solidFill>
@@ -4953,6 +4962,12 @@
               </a:rPr>
               <a:t>. </a:t>
             </a:r>
+            <a:endParaRPr lang="en-US" altLang="ko-KR" sz="4300" dirty="0">
+              <a:solidFill>
+                <a:schemeClr val="tx1"/>
+              </a:solidFill>
+              <a:latin typeface="+mn-ea"/>
+            </a:endParaRPr>
           </a:p>
         </p:txBody>
       </p:sp>
@@ -5064,13 +5079,40 @@
               <a:t>. </a:t>
             </a:r>
             <a:r>
+              <a:rPr lang="ko-KR" altLang="en-US" sz="4300" dirty="0" smtClean="0">
+                <a:solidFill>
+                  <a:schemeClr val="tx1"/>
+                </a:solidFill>
+                <a:latin typeface="+mn-ea"/>
+              </a:rPr>
+              <a:t>또한</a:t>
+            </a:r>
+            <a:r>
+              <a:rPr lang="en-US" altLang="ko-KR" sz="4300" dirty="0" smtClean="0">
+                <a:solidFill>
+                  <a:schemeClr val="tx1"/>
+                </a:solidFill>
+                <a:latin typeface="+mn-ea"/>
+              </a:rPr>
+              <a:t>]</a:t>
+            </a:r>
+            <a:r>
+              <a:rPr lang="ko-KR" altLang="en-US" sz="4300" dirty="0" smtClean="0">
+                <a:solidFill>
+                  <a:schemeClr val="tx1"/>
+                </a:solidFill>
+                <a:latin typeface="+mn-ea"/>
+              </a:rPr>
+              <a:t> </a:t>
+            </a:r>
+            <a:r>
               <a:rPr lang="ko-KR" altLang="en-US" sz="4300" dirty="0">
                 <a:solidFill>
                   <a:schemeClr val="tx1"/>
                 </a:solidFill>
                 <a:latin typeface="+mn-ea"/>
               </a:rPr>
-              <a:t>또한 제안 방법을</a:t>
+              <a:t>제안 방법을</a:t>
             </a:r>
             <a:r>
               <a:rPr lang="en-US" altLang="ko-KR" sz="4300" dirty="0">
@@ -5361,6 +5403,13 @@
     <a:masterClrMapping/>
   </p:clrMapOvr>
   <p:transition spd="med"/>
+  <p:timing>
+    <p:tnLst>
+      <p:par>
+        <p:cTn id="1" dur="indefinite" restart="never" nodeType="tmRoot"/>
+      </p:par>
+    </p:tnLst>
+  </p:timing>
 </p:sld>
 </file>
 
